--- a/Patron Observer.pptx
+++ b/Patron Observer.pptx
@@ -264,6 +264,11 @@
       </a:defRPr>
     </a:lvl9pPr>
   </p:defaultTextStyle>
+  <p:extLst>
+    <p:ext uri="{EFAFB233-063F-42B5-8137-9DF3F51BA10A}">
+      <p15:sldGuideLst xmlns:p15="http://schemas.microsoft.com/office/powerpoint/2012/main"/>
+    </p:ext>
+  </p:extLst>
 </p:presentation>
 </file>
 
@@ -20980,8 +20985,8 @@
         </p:blipFill>
         <p:spPr bwMode="auto">
           <a:xfrm>
-            <a:off x="1356505" y="2045776"/>
-            <a:ext cx="5561878" cy="2377193"/>
+            <a:off x="1442415" y="2197100"/>
+            <a:ext cx="5555285" cy="2374375"/>
           </a:xfrm>
           <a:prstGeom prst="rect">
             <a:avLst/>

--- a/Patron Observer.pptx
+++ b/Patron Observer.pptx
@@ -19707,10 +19707,10 @@
               <a:buNone/>
             </a:pPr>
             <a:r>
-              <a:rPr lang="en" sz="4400" dirty="0"/>
-              <a:t>PATRÓN OBSERVER</a:t>
+              <a:rPr lang="en" sz="3200" dirty="0"/>
+              <a:t>PATRÓN DE COMPORTAMIENTO OBSERVER</a:t>
             </a:r>
-            <a:endParaRPr sz="4400" dirty="0">
+            <a:endParaRPr sz="3200" dirty="0">
               <a:solidFill>
                 <a:schemeClr val="dk1"/>
               </a:solidFill>
